--- a/Interface_08.pptx
+++ b/Interface_08.pptx
@@ -8859,6 +8859,94 @@
           </a:p>
         </p:txBody>
       </p:sp>
+      <p:pic>
+        <p:nvPicPr>
+          <p:cNvPr id="2" name="Imagem 1">
+            <a:extLst>
+              <a:ext uri="{FF2B5EF4-FFF2-40B4-BE49-F238E27FC236}">
+                <a16:creationId xmlns:a16="http://schemas.microsoft.com/office/drawing/2014/main" id="{8A2E78B1-61FB-463E-A1BE-72F515E45666}"/>
+              </a:ext>
+            </a:extLst>
+          </p:cNvPr>
+          <p:cNvPicPr>
+            <a:picLocks noChangeAspect="1"/>
+          </p:cNvPicPr>
+          <p:nvPr/>
+        </p:nvPicPr>
+        <p:blipFill>
+          <a:blip r:embed="rId3"/>
+          <a:stretch>
+            <a:fillRect/>
+          </a:stretch>
+        </p:blipFill>
+        <p:spPr>
+          <a:xfrm>
+            <a:off x="184298" y="1019088"/>
+            <a:ext cx="5713228" cy="1481947"/>
+          </a:xfrm>
+          <a:prstGeom prst="rect">
+            <a:avLst/>
+          </a:prstGeom>
+          <a:ln w="38100" cap="sq">
+            <a:solidFill>
+              <a:srgbClr val="000000"/>
+            </a:solidFill>
+            <a:prstDash val="solid"/>
+            <a:miter lim="800000"/>
+          </a:ln>
+          <a:effectLst>
+            <a:outerShdw blurRad="50800" dist="38100" dir="2700000" algn="tl" rotWithShape="0">
+              <a:srgbClr val="000000">
+                <a:alpha val="43000"/>
+              </a:srgbClr>
+            </a:outerShdw>
+          </a:effectLst>
+        </p:spPr>
+      </p:pic>
+      <p:pic>
+        <p:nvPicPr>
+          <p:cNvPr id="3" name="Imagem 2">
+            <a:extLst>
+              <a:ext uri="{FF2B5EF4-FFF2-40B4-BE49-F238E27FC236}">
+                <a16:creationId xmlns:a16="http://schemas.microsoft.com/office/drawing/2014/main" id="{41504FD5-9546-40F0-8570-20EF27EC0B90}"/>
+              </a:ext>
+            </a:extLst>
+          </p:cNvPr>
+          <p:cNvPicPr>
+            <a:picLocks noChangeAspect="1"/>
+          </p:cNvPicPr>
+          <p:nvPr/>
+        </p:nvPicPr>
+        <p:blipFill>
+          <a:blip r:embed="rId4"/>
+          <a:stretch>
+            <a:fillRect/>
+          </a:stretch>
+        </p:blipFill>
+        <p:spPr>
+          <a:xfrm>
+            <a:off x="3133061" y="2675796"/>
+            <a:ext cx="5528930" cy="2312535"/>
+          </a:xfrm>
+          <a:prstGeom prst="rect">
+            <a:avLst/>
+          </a:prstGeom>
+          <a:ln w="38100" cap="sq">
+            <a:solidFill>
+              <a:srgbClr val="000000"/>
+            </a:solidFill>
+            <a:prstDash val="solid"/>
+            <a:miter lim="800000"/>
+          </a:ln>
+          <a:effectLst>
+            <a:outerShdw blurRad="50800" dist="38100" dir="2700000" algn="tl" rotWithShape="0">
+              <a:srgbClr val="000000">
+                <a:alpha val="43000"/>
+              </a:srgbClr>
+            </a:outerShdw>
+          </a:effectLst>
+        </p:spPr>
+      </p:pic>
     </p:spTree>
     <p:extLst>
       <p:ext uri="{BB962C8B-B14F-4D97-AF65-F5344CB8AC3E}">
